--- a/LG_data/vod_데이터 분석.pptx
+++ b/LG_data/vod_데이터 분석.pptx
@@ -223,7 +223,7 @@
           <a:p>
             <a:fld id="{5BAC390B-A655-41E1-BFAE-B85A980154FB}" type="datetimeFigureOut">
               <a:rPr lang="ko-KR" altLang="en-US" smtClean="0"/>
-              <a:t>2024-04-27</a:t>
+              <a:t>2024-04-29</a:t>
             </a:fld>
             <a:endParaRPr lang="ko-KR" altLang="en-US"/>
           </a:p>
@@ -721,7 +721,7 @@
           <a:p>
             <a:fld id="{ED831E14-792F-441E-AB20-28D9FA52E351}" type="datetimeFigureOut">
               <a:rPr lang="ko-KR" altLang="en-US" smtClean="0"/>
-              <a:t>2024-04-27</a:t>
+              <a:t>2024-04-29</a:t>
             </a:fld>
             <a:endParaRPr lang="ko-KR" altLang="en-US"/>
           </a:p>
@@ -919,7 +919,7 @@
           <a:p>
             <a:fld id="{ED831E14-792F-441E-AB20-28D9FA52E351}" type="datetimeFigureOut">
               <a:rPr lang="ko-KR" altLang="en-US" smtClean="0"/>
-              <a:t>2024-04-27</a:t>
+              <a:t>2024-04-29</a:t>
             </a:fld>
             <a:endParaRPr lang="ko-KR" altLang="en-US"/>
           </a:p>
@@ -1127,7 +1127,7 @@
           <a:p>
             <a:fld id="{ED831E14-792F-441E-AB20-28D9FA52E351}" type="datetimeFigureOut">
               <a:rPr lang="ko-KR" altLang="en-US" smtClean="0"/>
-              <a:t>2024-04-27</a:t>
+              <a:t>2024-04-29</a:t>
             </a:fld>
             <a:endParaRPr lang="ko-KR" altLang="en-US"/>
           </a:p>
@@ -1325,7 +1325,7 @@
           <a:p>
             <a:fld id="{ED831E14-792F-441E-AB20-28D9FA52E351}" type="datetimeFigureOut">
               <a:rPr lang="ko-KR" altLang="en-US" smtClean="0"/>
-              <a:t>2024-04-27</a:t>
+              <a:t>2024-04-29</a:t>
             </a:fld>
             <a:endParaRPr lang="ko-KR" altLang="en-US"/>
           </a:p>
@@ -1600,7 +1600,7 @@
           <a:p>
             <a:fld id="{ED831E14-792F-441E-AB20-28D9FA52E351}" type="datetimeFigureOut">
               <a:rPr lang="ko-KR" altLang="en-US" smtClean="0"/>
-              <a:t>2024-04-27</a:t>
+              <a:t>2024-04-29</a:t>
             </a:fld>
             <a:endParaRPr lang="ko-KR" altLang="en-US"/>
           </a:p>
@@ -1865,7 +1865,7 @@
           <a:p>
             <a:fld id="{ED831E14-792F-441E-AB20-28D9FA52E351}" type="datetimeFigureOut">
               <a:rPr lang="ko-KR" altLang="en-US" smtClean="0"/>
-              <a:t>2024-04-27</a:t>
+              <a:t>2024-04-29</a:t>
             </a:fld>
             <a:endParaRPr lang="ko-KR" altLang="en-US"/>
           </a:p>
@@ -2277,7 +2277,7 @@
           <a:p>
             <a:fld id="{ED831E14-792F-441E-AB20-28D9FA52E351}" type="datetimeFigureOut">
               <a:rPr lang="ko-KR" altLang="en-US" smtClean="0"/>
-              <a:t>2024-04-27</a:t>
+              <a:t>2024-04-29</a:t>
             </a:fld>
             <a:endParaRPr lang="ko-KR" altLang="en-US"/>
           </a:p>
@@ -2418,7 +2418,7 @@
           <a:p>
             <a:fld id="{ED831E14-792F-441E-AB20-28D9FA52E351}" type="datetimeFigureOut">
               <a:rPr lang="ko-KR" altLang="en-US" smtClean="0"/>
-              <a:t>2024-04-27</a:t>
+              <a:t>2024-04-29</a:t>
             </a:fld>
             <a:endParaRPr lang="ko-KR" altLang="en-US"/>
           </a:p>
@@ -2531,7 +2531,7 @@
           <a:p>
             <a:fld id="{ED831E14-792F-441E-AB20-28D9FA52E351}" type="datetimeFigureOut">
               <a:rPr lang="ko-KR" altLang="en-US" smtClean="0"/>
-              <a:t>2024-04-27</a:t>
+              <a:t>2024-04-29</a:t>
             </a:fld>
             <a:endParaRPr lang="ko-KR" altLang="en-US"/>
           </a:p>
@@ -2842,7 +2842,7 @@
           <a:p>
             <a:fld id="{ED831E14-792F-441E-AB20-28D9FA52E351}" type="datetimeFigureOut">
               <a:rPr lang="ko-KR" altLang="en-US" smtClean="0"/>
-              <a:t>2024-04-27</a:t>
+              <a:t>2024-04-29</a:t>
             </a:fld>
             <a:endParaRPr lang="ko-KR" altLang="en-US"/>
           </a:p>
@@ -3130,7 +3130,7 @@
           <a:p>
             <a:fld id="{ED831E14-792F-441E-AB20-28D9FA52E351}" type="datetimeFigureOut">
               <a:rPr lang="ko-KR" altLang="en-US" smtClean="0"/>
-              <a:t>2024-04-27</a:t>
+              <a:t>2024-04-29</a:t>
             </a:fld>
             <a:endParaRPr lang="ko-KR" altLang="en-US"/>
           </a:p>
@@ -3371,7 +3371,7 @@
           <a:p>
             <a:fld id="{ED831E14-792F-441E-AB20-28D9FA52E351}" type="datetimeFigureOut">
               <a:rPr lang="ko-KR" altLang="en-US" smtClean="0"/>
-              <a:t>2024-04-27</a:t>
+              <a:t>2024-04-29</a:t>
             </a:fld>
             <a:endParaRPr lang="ko-KR" altLang="en-US"/>
           </a:p>
@@ -6242,7 +6242,7 @@
         </p:blipFill>
         <p:spPr>
           <a:xfrm>
-            <a:off x="1489321" y="2973947"/>
+            <a:off x="1489321" y="2983779"/>
             <a:ext cx="4493873" cy="2976800"/>
           </a:xfrm>
           <a:prstGeom prst="rect">
